--- a/Introduction to Harmonic Balance method.pptx
+++ b/Introduction to Harmonic Balance method.pptx
@@ -273,7 +273,7 @@
           <a:p>
             <a:fld id="{76E2E7FF-479F-48F5-9E37-7E8E480A43FD}" type="datetimeFigureOut">
               <a:rPr lang="zh-CN" altLang="en-US" smtClean="0"/>
-              <a:t>2023/7/23</a:t>
+              <a:t>2023/7/24</a:t>
             </a:fld>
             <a:endParaRPr lang="zh-CN" altLang="en-US"/>
           </a:p>
@@ -471,7 +471,7 @@
           <a:p>
             <a:fld id="{76E2E7FF-479F-48F5-9E37-7E8E480A43FD}" type="datetimeFigureOut">
               <a:rPr lang="zh-CN" altLang="en-US" smtClean="0"/>
-              <a:t>2023/7/23</a:t>
+              <a:t>2023/7/24</a:t>
             </a:fld>
             <a:endParaRPr lang="zh-CN" altLang="en-US"/>
           </a:p>
@@ -679,7 +679,7 @@
           <a:p>
             <a:fld id="{76E2E7FF-479F-48F5-9E37-7E8E480A43FD}" type="datetimeFigureOut">
               <a:rPr lang="zh-CN" altLang="en-US" smtClean="0"/>
-              <a:t>2023/7/23</a:t>
+              <a:t>2023/7/24</a:t>
             </a:fld>
             <a:endParaRPr lang="zh-CN" altLang="en-US"/>
           </a:p>
@@ -877,7 +877,7 @@
           <a:p>
             <a:fld id="{76E2E7FF-479F-48F5-9E37-7E8E480A43FD}" type="datetimeFigureOut">
               <a:rPr lang="zh-CN" altLang="en-US" smtClean="0"/>
-              <a:t>2023/7/23</a:t>
+              <a:t>2023/7/24</a:t>
             </a:fld>
             <a:endParaRPr lang="zh-CN" altLang="en-US"/>
           </a:p>
@@ -1152,7 +1152,7 @@
           <a:p>
             <a:fld id="{76E2E7FF-479F-48F5-9E37-7E8E480A43FD}" type="datetimeFigureOut">
               <a:rPr lang="zh-CN" altLang="en-US" smtClean="0"/>
-              <a:t>2023/7/23</a:t>
+              <a:t>2023/7/24</a:t>
             </a:fld>
             <a:endParaRPr lang="zh-CN" altLang="en-US"/>
           </a:p>
@@ -1417,7 +1417,7 @@
           <a:p>
             <a:fld id="{76E2E7FF-479F-48F5-9E37-7E8E480A43FD}" type="datetimeFigureOut">
               <a:rPr lang="zh-CN" altLang="en-US" smtClean="0"/>
-              <a:t>2023/7/23</a:t>
+              <a:t>2023/7/24</a:t>
             </a:fld>
             <a:endParaRPr lang="zh-CN" altLang="en-US"/>
           </a:p>
@@ -1829,7 +1829,7 @@
           <a:p>
             <a:fld id="{76E2E7FF-479F-48F5-9E37-7E8E480A43FD}" type="datetimeFigureOut">
               <a:rPr lang="zh-CN" altLang="en-US" smtClean="0"/>
-              <a:t>2023/7/23</a:t>
+              <a:t>2023/7/24</a:t>
             </a:fld>
             <a:endParaRPr lang="zh-CN" altLang="en-US"/>
           </a:p>
@@ -1970,7 +1970,7 @@
           <a:p>
             <a:fld id="{76E2E7FF-479F-48F5-9E37-7E8E480A43FD}" type="datetimeFigureOut">
               <a:rPr lang="zh-CN" altLang="en-US" smtClean="0"/>
-              <a:t>2023/7/23</a:t>
+              <a:t>2023/7/24</a:t>
             </a:fld>
             <a:endParaRPr lang="zh-CN" altLang="en-US"/>
           </a:p>
@@ -2083,7 +2083,7 @@
           <a:p>
             <a:fld id="{76E2E7FF-479F-48F5-9E37-7E8E480A43FD}" type="datetimeFigureOut">
               <a:rPr lang="zh-CN" altLang="en-US" smtClean="0"/>
-              <a:t>2023/7/23</a:t>
+              <a:t>2023/7/24</a:t>
             </a:fld>
             <a:endParaRPr lang="zh-CN" altLang="en-US"/>
           </a:p>
@@ -2394,7 +2394,7 @@
           <a:p>
             <a:fld id="{76E2E7FF-479F-48F5-9E37-7E8E480A43FD}" type="datetimeFigureOut">
               <a:rPr lang="zh-CN" altLang="en-US" smtClean="0"/>
-              <a:t>2023/7/23</a:t>
+              <a:t>2023/7/24</a:t>
             </a:fld>
             <a:endParaRPr lang="zh-CN" altLang="en-US"/>
           </a:p>
@@ -2682,7 +2682,7 @@
           <a:p>
             <a:fld id="{76E2E7FF-479F-48F5-9E37-7E8E480A43FD}" type="datetimeFigureOut">
               <a:rPr lang="zh-CN" altLang="en-US" smtClean="0"/>
-              <a:t>2023/7/23</a:t>
+              <a:t>2023/7/24</a:t>
             </a:fld>
             <a:endParaRPr lang="zh-CN" altLang="en-US"/>
           </a:p>
@@ -2923,7 +2923,7 @@
           <a:p>
             <a:fld id="{76E2E7FF-479F-48F5-9E37-7E8E480A43FD}" type="datetimeFigureOut">
               <a:rPr lang="zh-CN" altLang="en-US" smtClean="0"/>
-              <a:t>2023/7/23</a:t>
+              <a:t>2023/7/24</a:t>
             </a:fld>
             <a:endParaRPr lang="zh-CN" altLang="en-US"/>
           </a:p>
@@ -3369,42 +3369,6 @@
           </a:p>
         </p:txBody>
       </p:sp>
-      <p:sp>
-        <p:nvSpPr>
-          <p:cNvPr id="3" name="文本框 2">
-            <a:extLst>
-              <a:ext uri="{FF2B5EF4-FFF2-40B4-BE49-F238E27FC236}">
-                <a16:creationId xmlns:a16="http://schemas.microsoft.com/office/drawing/2014/main" id="{1BA4F1E5-4183-F687-1273-FD7479059918}"/>
-              </a:ext>
-            </a:extLst>
-          </p:cNvPr>
-          <p:cNvSpPr txBox="1"/>
-          <p:nvPr/>
-        </p:nvSpPr>
-        <p:spPr>
-          <a:xfrm>
-            <a:off x="2193234" y="4008782"/>
-            <a:ext cx="2405270" cy="369332"/>
-          </a:xfrm>
-          <a:prstGeom prst="rect">
-            <a:avLst/>
-          </a:prstGeom>
-          <a:noFill/>
-        </p:spPr>
-        <p:txBody>
-          <a:bodyPr wrap="square" rtlCol="0">
-            <a:spAutoFit/>
-          </a:bodyPr>
-          <a:lstStyle/>
-          <a:p>
-            <a:r>
-              <a:rPr lang="en-US" altLang="zh-CN" dirty="0"/>
-              <a:t>Author: Tianyi Lu</a:t>
-            </a:r>
-            <a:endParaRPr lang="zh-CN" altLang="en-US" dirty="0"/>
-          </a:p>
-        </p:txBody>
-      </p:sp>
     </p:spTree>
     <p:extLst>
       <p:ext uri="{BB962C8B-B14F-4D97-AF65-F5344CB8AC3E}">
@@ -3464,8 +3428,8 @@
           </a:p>
         </p:txBody>
       </p:sp>
-      <mc:AlternateContent xmlns:mc="http://schemas.openxmlformats.org/markup-compatibility/2006">
-        <mc:Choice xmlns:a14="http://schemas.microsoft.com/office/drawing/2010/main" Requires="a14">
+      <mc:AlternateContent xmlns:mc="http://schemas.openxmlformats.org/markup-compatibility/2006" xmlns:a14="http://schemas.microsoft.com/office/drawing/2010/main">
+        <mc:Choice Requires="a14">
           <p:sp>
             <p:nvSpPr>
               <p:cNvPr id="3" name="文本框 2">
@@ -4369,7 +4333,7 @@
                         <m:begChr m:val="{"/>
                         <m:endChr m:val="}"/>
                         <m:ctrlPr>
-                          <a:rPr lang="en-US" altLang="zh-CN" b="0" i="0" smtClean="0">
+                          <a:rPr lang="en-US" altLang="zh-CN" b="0" i="1" smtClean="0">
                             <a:latin typeface="Cambria Math" panose="02040503050406030204" pitchFamily="18" charset="0"/>
                           </a:rPr>
                         </m:ctrlPr>
@@ -4482,6 +4446,7 @@
                 </a:r>
               </a:p>
               <a:p>
+                <a:pPr/>
                 <a14:m>
                   <m:oMathPara xmlns:m="http://schemas.openxmlformats.org/officeDocument/2006/math">
                     <m:oMathParaPr>
@@ -4896,7 +4861,7 @@
             </p:txBody>
           </p:sp>
         </mc:Choice>
-        <mc:Fallback>
+        <mc:Fallback xmlns="">
           <p:sp>
             <p:nvSpPr>
               <p:cNvPr id="3" name="文本框 2">
@@ -5102,8 +5067,8 @@
           </a:p>
         </p:txBody>
       </p:sp>
-      <mc:AlternateContent xmlns:mc="http://schemas.openxmlformats.org/markup-compatibility/2006">
-        <mc:Choice xmlns:a14="http://schemas.microsoft.com/office/drawing/2010/main" Requires="a14">
+      <mc:AlternateContent xmlns:mc="http://schemas.openxmlformats.org/markup-compatibility/2006" xmlns:a14="http://schemas.microsoft.com/office/drawing/2010/main">
+        <mc:Choice Requires="a14">
           <p:sp>
             <p:nvSpPr>
               <p:cNvPr id="10" name="文本框 9">
@@ -5132,6 +5097,7 @@
               </a:bodyPr>
               <a:lstStyle/>
               <a:p>
+                <a:pPr/>
                 <a14:m>
                   <m:oMathPara xmlns:m="http://schemas.openxmlformats.org/officeDocument/2006/math">
                     <m:oMathParaPr>
@@ -5423,7 +5389,7 @@
             </p:txBody>
           </p:sp>
         </mc:Choice>
-        <mc:Fallback>
+        <mc:Fallback xmlns="">
           <p:sp>
             <p:nvSpPr>
               <p:cNvPr id="10" name="文本框 9">
@@ -5627,8 +5593,8 @@
           </a:p>
         </p:txBody>
       </p:sp>
-      <mc:AlternateContent xmlns:mc="http://schemas.openxmlformats.org/markup-compatibility/2006">
-        <mc:Choice xmlns:a14="http://schemas.microsoft.com/office/drawing/2010/main" Requires="a14">
+      <mc:AlternateContent xmlns:mc="http://schemas.openxmlformats.org/markup-compatibility/2006" xmlns:a14="http://schemas.microsoft.com/office/drawing/2010/main">
+        <mc:Choice Requires="a14">
           <p:sp>
             <p:nvSpPr>
               <p:cNvPr id="17" name="文本框 16">
@@ -5657,6 +5623,7 @@
               </a:bodyPr>
               <a:lstStyle/>
               <a:p>
+                <a:pPr/>
                 <a14:m>
                   <m:oMathPara xmlns:m="http://schemas.openxmlformats.org/officeDocument/2006/math">
                     <m:oMathParaPr>
@@ -5731,7 +5698,7 @@
             </p:txBody>
           </p:sp>
         </mc:Choice>
-        <mc:Fallback>
+        <mc:Fallback xmlns="">
           <p:sp>
             <p:nvSpPr>
               <p:cNvPr id="17" name="文本框 16">
@@ -5776,8 +5743,8 @@
           </p:sp>
         </mc:Fallback>
       </mc:AlternateContent>
-      <mc:AlternateContent xmlns:mc="http://schemas.openxmlformats.org/markup-compatibility/2006">
-        <mc:Choice xmlns:a14="http://schemas.microsoft.com/office/drawing/2010/main" Requires="a14">
+      <mc:AlternateContent xmlns:mc="http://schemas.openxmlformats.org/markup-compatibility/2006" xmlns:a14="http://schemas.microsoft.com/office/drawing/2010/main">
+        <mc:Choice Requires="a14">
           <p:sp>
             <p:nvSpPr>
               <p:cNvPr id="18" name="文本框 17">
@@ -5806,6 +5773,7 @@
               </a:bodyPr>
               <a:lstStyle/>
               <a:p>
+                <a:pPr/>
                 <a14:m>
                   <m:oMathPara xmlns:m="http://schemas.openxmlformats.org/officeDocument/2006/math">
                     <m:oMathParaPr>
@@ -5880,7 +5848,7 @@
             </p:txBody>
           </p:sp>
         </mc:Choice>
-        <mc:Fallback>
+        <mc:Fallback xmlns="">
           <p:sp>
             <p:nvSpPr>
               <p:cNvPr id="18" name="文本框 17">
@@ -6056,8 +6024,8 @@
           </a:p>
         </p:txBody>
       </p:sp>
-      <mc:AlternateContent xmlns:mc="http://schemas.openxmlformats.org/markup-compatibility/2006">
-        <mc:Choice xmlns:a14="http://schemas.microsoft.com/office/drawing/2010/main" Requires="a14">
+      <mc:AlternateContent xmlns:mc="http://schemas.openxmlformats.org/markup-compatibility/2006" xmlns:a14="http://schemas.microsoft.com/office/drawing/2010/main">
+        <mc:Choice Requires="a14">
           <p:sp>
             <p:nvSpPr>
               <p:cNvPr id="6" name="文本框 5">
@@ -6392,7 +6360,7 @@
             </p:txBody>
           </p:sp>
         </mc:Choice>
-        <mc:Fallback>
+        <mc:Fallback xmlns="">
           <p:sp>
             <p:nvSpPr>
               <p:cNvPr id="6" name="文本框 5">
@@ -6473,8 +6441,8 @@
           </a:p>
         </p:txBody>
       </p:sp>
-      <mc:AlternateContent xmlns:mc="http://schemas.openxmlformats.org/markup-compatibility/2006">
-        <mc:Choice xmlns:a14="http://schemas.microsoft.com/office/drawing/2010/main" Requires="a14">
+      <mc:AlternateContent xmlns:mc="http://schemas.openxmlformats.org/markup-compatibility/2006" xmlns:a14="http://schemas.microsoft.com/office/drawing/2010/main">
+        <mc:Choice Requires="a14">
           <p:sp>
             <p:nvSpPr>
               <p:cNvPr id="13" name="文本框 12">
@@ -6736,7 +6704,7 @@
             </p:txBody>
           </p:sp>
         </mc:Choice>
-        <mc:Fallback>
+        <mc:Fallback xmlns="">
           <p:sp>
             <p:nvSpPr>
               <p:cNvPr id="13" name="文本框 12">
@@ -6817,8 +6785,8 @@
           </a:p>
         </p:txBody>
       </p:sp>
-      <mc:AlternateContent xmlns:mc="http://schemas.openxmlformats.org/markup-compatibility/2006">
-        <mc:Choice xmlns:a14="http://schemas.microsoft.com/office/drawing/2010/main" Requires="a14">
+      <mc:AlternateContent xmlns:mc="http://schemas.openxmlformats.org/markup-compatibility/2006" xmlns:a14="http://schemas.microsoft.com/office/drawing/2010/main">
+        <mc:Choice Requires="a14">
           <p:sp>
             <p:nvSpPr>
               <p:cNvPr id="21" name="文本框 20">
@@ -7129,7 +7097,7 @@
             </p:txBody>
           </p:sp>
         </mc:Choice>
-        <mc:Fallback>
+        <mc:Fallback xmlns="">
           <p:sp>
             <p:nvSpPr>
               <p:cNvPr id="21" name="文本框 20">
@@ -7285,8 +7253,8 @@
           </a:p>
         </p:txBody>
       </p:sp>
-      <mc:AlternateContent xmlns:mc="http://schemas.openxmlformats.org/markup-compatibility/2006">
-        <mc:Choice xmlns:a14="http://schemas.microsoft.com/office/drawing/2010/main" Requires="a14">
+      <mc:AlternateContent xmlns:mc="http://schemas.openxmlformats.org/markup-compatibility/2006" xmlns:a14="http://schemas.microsoft.com/office/drawing/2010/main">
+        <mc:Choice Requires="a14">
           <p:sp>
             <p:nvSpPr>
               <p:cNvPr id="5" name="文本框 4">
@@ -7776,7 +7744,7 @@
             </p:txBody>
           </p:sp>
         </mc:Choice>
-        <mc:Fallback>
+        <mc:Fallback xmlns="">
           <p:sp>
             <p:nvSpPr>
               <p:cNvPr id="5" name="文本框 4">
@@ -7821,8 +7789,8 @@
           </p:sp>
         </mc:Fallback>
       </mc:AlternateContent>
-      <mc:AlternateContent xmlns:mc="http://schemas.openxmlformats.org/markup-compatibility/2006">
-        <mc:Choice xmlns:a14="http://schemas.microsoft.com/office/drawing/2010/main" Requires="a14">
+      <mc:AlternateContent xmlns:mc="http://schemas.openxmlformats.org/markup-compatibility/2006" xmlns:a14="http://schemas.microsoft.com/office/drawing/2010/main">
+        <mc:Choice Requires="a14">
           <p:sp>
             <p:nvSpPr>
               <p:cNvPr id="6" name="文本框 5">
@@ -8029,7 +7997,7 @@
             </p:txBody>
           </p:sp>
         </mc:Choice>
-        <mc:Fallback>
+        <mc:Fallback xmlns="">
           <p:sp>
             <p:nvSpPr>
               <p:cNvPr id="6" name="文本框 5">
@@ -8074,8 +8042,8 @@
           </p:sp>
         </mc:Fallback>
       </mc:AlternateContent>
-      <mc:AlternateContent xmlns:mc="http://schemas.openxmlformats.org/markup-compatibility/2006">
-        <mc:Choice xmlns:a14="http://schemas.microsoft.com/office/drawing/2010/main" Requires="a14">
+      <mc:AlternateContent xmlns:mc="http://schemas.openxmlformats.org/markup-compatibility/2006" xmlns:a14="http://schemas.microsoft.com/office/drawing/2010/main">
+        <mc:Choice Requires="a14">
           <p:sp>
             <p:nvSpPr>
               <p:cNvPr id="7" name="文本框 6">
@@ -8318,7 +8286,7 @@
             </p:txBody>
           </p:sp>
         </mc:Choice>
-        <mc:Fallback>
+        <mc:Fallback xmlns="">
           <p:sp>
             <p:nvSpPr>
               <p:cNvPr id="7" name="文本框 6">
@@ -9066,7 +9034,7 @@
         <p:spPr>
           <a:xfrm>
             <a:off x="1060174" y="1755913"/>
-            <a:ext cx="9700591" cy="2544286"/>
+            <a:ext cx="9700591" cy="2028248"/>
           </a:xfrm>
           <a:prstGeom prst="rect">
             <a:avLst/>
@@ -9140,23 +9108,6 @@
               <a:buChar char="•"/>
             </a:pPr>
             <a:endParaRPr lang="en-US" altLang="zh-CN" sz="2800" dirty="0"/>
-          </a:p>
-          <a:p>
-            <a:pPr marL="228600" indent="-228600">
-              <a:lnSpc>
-                <a:spcPct val="90000"/>
-              </a:lnSpc>
-              <a:spcBef>
-                <a:spcPts val="1000"/>
-              </a:spcBef>
-              <a:buFont typeface="Arial" panose="020B0604020202020204" pitchFamily="34" charset="0"/>
-              <a:buChar char="•"/>
-            </a:pPr>
-            <a:r>
-              <a:rPr lang="en-US" altLang="zh-CN" sz="2800" dirty="0"/>
-              <a:t>We use it in PIM simulation</a:t>
-            </a:r>
-            <a:endParaRPr lang="zh-CN" altLang="en-US" sz="2800" dirty="0"/>
           </a:p>
         </p:txBody>
       </p:sp>
@@ -9681,8 +9632,8 @@
           </a:p>
         </p:txBody>
       </p:sp>
-      <mc:AlternateContent xmlns:mc="http://schemas.openxmlformats.org/markup-compatibility/2006">
-        <mc:Choice xmlns:a14="http://schemas.microsoft.com/office/drawing/2010/main" Requires="a14">
+      <mc:AlternateContent xmlns:mc="http://schemas.openxmlformats.org/markup-compatibility/2006" xmlns:a14="http://schemas.microsoft.com/office/drawing/2010/main">
+        <mc:Choice Requires="a14">
           <p:sp>
             <p:nvSpPr>
               <p:cNvPr id="9" name="文本框 8">
@@ -9815,7 +9766,7 @@
             </p:txBody>
           </p:sp>
         </mc:Choice>
-        <mc:Fallback>
+        <mc:Fallback xmlns="">
           <p:sp>
             <p:nvSpPr>
               <p:cNvPr id="9" name="文本框 8">
@@ -9860,8 +9811,8 @@
           </p:sp>
         </mc:Fallback>
       </mc:AlternateContent>
-      <mc:AlternateContent xmlns:mc="http://schemas.openxmlformats.org/markup-compatibility/2006">
-        <mc:Choice xmlns:a14="http://schemas.microsoft.com/office/drawing/2010/main" Requires="a14">
+      <mc:AlternateContent xmlns:mc="http://schemas.openxmlformats.org/markup-compatibility/2006" xmlns:a14="http://schemas.microsoft.com/office/drawing/2010/main">
+        <mc:Choice Requires="a14">
           <p:sp>
             <p:nvSpPr>
               <p:cNvPr id="10" name="文本框 9">
@@ -10360,7 +10311,7 @@
             </p:txBody>
           </p:sp>
         </mc:Choice>
-        <mc:Fallback>
+        <mc:Fallback xmlns="">
           <p:sp>
             <p:nvSpPr>
               <p:cNvPr id="10" name="文本框 9">
@@ -10477,8 +10428,8 @@
           </a:p>
         </p:txBody>
       </p:sp>
-      <mc:AlternateContent xmlns:mc="http://schemas.openxmlformats.org/markup-compatibility/2006">
-        <mc:Choice xmlns:a14="http://schemas.microsoft.com/office/drawing/2010/main" Requires="a14">
+      <mc:AlternateContent xmlns:mc="http://schemas.openxmlformats.org/markup-compatibility/2006" xmlns:a14="http://schemas.microsoft.com/office/drawing/2010/main">
+        <mc:Choice Requires="a14">
           <p:sp>
             <p:nvSpPr>
               <p:cNvPr id="13" name="文本框 12">
@@ -10751,7 +10702,7 @@
             </p:txBody>
           </p:sp>
         </mc:Choice>
-        <mc:Fallback>
+        <mc:Fallback xmlns="">
           <p:sp>
             <p:nvSpPr>
               <p:cNvPr id="13" name="文本框 12">
@@ -10796,8 +10747,8 @@
           </p:sp>
         </mc:Fallback>
       </mc:AlternateContent>
-      <mc:AlternateContent xmlns:mc="http://schemas.openxmlformats.org/markup-compatibility/2006">
-        <mc:Choice xmlns:a14="http://schemas.microsoft.com/office/drawing/2010/main" Requires="a14">
+      <mc:AlternateContent xmlns:mc="http://schemas.openxmlformats.org/markup-compatibility/2006" xmlns:a14="http://schemas.microsoft.com/office/drawing/2010/main">
+        <mc:Choice Requires="a14">
           <p:sp>
             <p:nvSpPr>
               <p:cNvPr id="14" name="文本框 13">
@@ -11426,7 +11377,7 @@
             </p:txBody>
           </p:sp>
         </mc:Choice>
-        <mc:Fallback>
+        <mc:Fallback xmlns="">
           <p:sp>
             <p:nvSpPr>
               <p:cNvPr id="14" name="文本框 13">
@@ -11561,8 +11512,8 @@
           </a:p>
         </p:txBody>
       </p:sp>
-      <mc:AlternateContent xmlns:mc="http://schemas.openxmlformats.org/markup-compatibility/2006">
-        <mc:Choice xmlns:a14="http://schemas.microsoft.com/office/drawing/2010/main" Requires="a14">
+      <mc:AlternateContent xmlns:mc="http://schemas.openxmlformats.org/markup-compatibility/2006" xmlns:a14="http://schemas.microsoft.com/office/drawing/2010/main">
+        <mc:Choice Requires="a14">
           <p:sp>
             <p:nvSpPr>
               <p:cNvPr id="16" name="文本框 15">
@@ -11817,7 +11768,7 @@
             </p:txBody>
           </p:sp>
         </mc:Choice>
-        <mc:Fallback>
+        <mc:Fallback xmlns="">
           <p:sp>
             <p:nvSpPr>
               <p:cNvPr id="16" name="文本框 15">
@@ -11921,8 +11872,8 @@
           </a:p>
         </p:txBody>
       </p:sp>
-      <mc:AlternateContent xmlns:mc="http://schemas.openxmlformats.org/markup-compatibility/2006">
-        <mc:Choice xmlns:a14="http://schemas.microsoft.com/office/drawing/2010/main" Requires="a14">
+      <mc:AlternateContent xmlns:mc="http://schemas.openxmlformats.org/markup-compatibility/2006" xmlns:a14="http://schemas.microsoft.com/office/drawing/2010/main">
+        <mc:Choice Requires="a14">
           <p:sp>
             <p:nvSpPr>
               <p:cNvPr id="4" name="文本框 3">
@@ -11977,6 +11928,7 @@
                 </a:r>
               </a:p>
               <a:p>
+                <a:pPr/>
                 <a14:m>
                   <m:oMathPara xmlns:m="http://schemas.openxmlformats.org/officeDocument/2006/math">
                     <m:oMathParaPr>
@@ -12301,7 +12253,7 @@
             </p:txBody>
           </p:sp>
         </mc:Choice>
-        <mc:Fallback>
+        <mc:Fallback xmlns="">
           <p:sp>
             <p:nvSpPr>
               <p:cNvPr id="4" name="文本框 3">
@@ -12346,8 +12298,8 @@
           </p:sp>
         </mc:Fallback>
       </mc:AlternateContent>
-      <mc:AlternateContent xmlns:mc="http://schemas.openxmlformats.org/markup-compatibility/2006">
-        <mc:Choice xmlns:a14="http://schemas.microsoft.com/office/drawing/2010/main" Requires="a14">
+      <mc:AlternateContent xmlns:mc="http://schemas.openxmlformats.org/markup-compatibility/2006" xmlns:a14="http://schemas.microsoft.com/office/drawing/2010/main">
+        <mc:Choice Requires="a14">
           <p:sp>
             <p:nvSpPr>
               <p:cNvPr id="10" name="文本框 9">
@@ -12376,6 +12328,7 @@
               </a:bodyPr>
               <a:lstStyle/>
               <a:p>
+                <a:pPr/>
                 <a14:m>
                   <m:oMathPara xmlns:m="http://schemas.openxmlformats.org/officeDocument/2006/math">
                     <m:oMathParaPr>
@@ -12694,7 +12647,7 @@
             </p:txBody>
           </p:sp>
         </mc:Choice>
-        <mc:Fallback>
+        <mc:Fallback xmlns="">
           <p:sp>
             <p:nvSpPr>
               <p:cNvPr id="10" name="文本框 9">
@@ -12811,8 +12764,8 @@
           </a:p>
         </p:txBody>
       </p:sp>
-      <mc:AlternateContent xmlns:mc="http://schemas.openxmlformats.org/markup-compatibility/2006">
-        <mc:Choice xmlns:a14="http://schemas.microsoft.com/office/drawing/2010/main" Requires="a14">
+      <mc:AlternateContent xmlns:mc="http://schemas.openxmlformats.org/markup-compatibility/2006" xmlns:a14="http://schemas.microsoft.com/office/drawing/2010/main">
+        <mc:Choice Requires="a14">
           <p:sp>
             <p:nvSpPr>
               <p:cNvPr id="13" name="文本框 12">
@@ -13149,7 +13102,7 @@
             </p:txBody>
           </p:sp>
         </mc:Choice>
-        <mc:Fallback>
+        <mc:Fallback xmlns="">
           <p:sp>
             <p:nvSpPr>
               <p:cNvPr id="13" name="文本框 12">
@@ -13194,8 +13147,8 @@
           </p:sp>
         </mc:Fallback>
       </mc:AlternateContent>
-      <mc:AlternateContent xmlns:mc="http://schemas.openxmlformats.org/markup-compatibility/2006">
-        <mc:Choice xmlns:a14="http://schemas.microsoft.com/office/drawing/2010/main" Requires="a14">
+      <mc:AlternateContent xmlns:mc="http://schemas.openxmlformats.org/markup-compatibility/2006" xmlns:a14="http://schemas.microsoft.com/office/drawing/2010/main">
+        <mc:Choice Requires="a14">
           <p:sp>
             <p:nvSpPr>
               <p:cNvPr id="14" name="文本框 13">
@@ -13643,7 +13596,7 @@
             </p:txBody>
           </p:sp>
         </mc:Choice>
-        <mc:Fallback>
+        <mc:Fallback xmlns="">
           <p:sp>
             <p:nvSpPr>
               <p:cNvPr id="14" name="文本框 13">
@@ -13778,8 +13731,8 @@
           </a:p>
         </p:txBody>
       </p:sp>
-      <mc:AlternateContent xmlns:mc="http://schemas.openxmlformats.org/markup-compatibility/2006">
-        <mc:Choice xmlns:a14="http://schemas.microsoft.com/office/drawing/2010/main" Requires="a14">
+      <mc:AlternateContent xmlns:mc="http://schemas.openxmlformats.org/markup-compatibility/2006" xmlns:a14="http://schemas.microsoft.com/office/drawing/2010/main">
+        <mc:Choice Requires="a14">
           <p:sp>
             <p:nvSpPr>
               <p:cNvPr id="6" name="文本框 5">
@@ -13914,7 +13867,7 @@
             </p:txBody>
           </p:sp>
         </mc:Choice>
-        <mc:Fallback>
+        <mc:Fallback xmlns="">
           <p:sp>
             <p:nvSpPr>
               <p:cNvPr id="6" name="文本框 5">
@@ -14018,8 +13971,8 @@
           </a:p>
         </p:txBody>
       </p:sp>
-      <mc:AlternateContent xmlns:mc="http://schemas.openxmlformats.org/markup-compatibility/2006">
-        <mc:Choice xmlns:a14="http://schemas.microsoft.com/office/drawing/2010/main" Requires="a14">
+      <mc:AlternateContent xmlns:mc="http://schemas.openxmlformats.org/markup-compatibility/2006" xmlns:a14="http://schemas.microsoft.com/office/drawing/2010/main">
+        <mc:Choice Requires="a14">
           <p:sp>
             <p:nvSpPr>
               <p:cNvPr id="3" name="文本框 2">
@@ -14998,6 +14951,7 @@
                 </a:r>
               </a:p>
               <a:p>
+                <a:pPr/>
                 <a14:m>
                   <m:oMathPara xmlns:m="http://schemas.openxmlformats.org/officeDocument/2006/math">
                     <m:oMathParaPr>
@@ -15412,7 +15366,7 @@
             </p:txBody>
           </p:sp>
         </mc:Choice>
-        <mc:Fallback>
+        <mc:Fallback xmlns="">
           <p:sp>
             <p:nvSpPr>
               <p:cNvPr id="3" name="文本框 2">
@@ -15516,8 +15470,8 @@
           </a:p>
         </p:txBody>
       </p:sp>
-      <mc:AlternateContent xmlns:mc="http://schemas.openxmlformats.org/markup-compatibility/2006">
-        <mc:Choice xmlns:a14="http://schemas.microsoft.com/office/drawing/2010/main" Requires="a14">
+      <mc:AlternateContent xmlns:mc="http://schemas.openxmlformats.org/markup-compatibility/2006" xmlns:a14="http://schemas.microsoft.com/office/drawing/2010/main">
+        <mc:Choice Requires="a14">
           <p:sp>
             <p:nvSpPr>
               <p:cNvPr id="4" name="文本框 3">
@@ -15572,6 +15526,7 @@
                 </a:r>
               </a:p>
               <a:p>
+                <a:pPr/>
                 <a14:m>
                   <m:oMathPara xmlns:m="http://schemas.openxmlformats.org/officeDocument/2006/math">
                     <m:oMathParaPr>
@@ -15914,7 +15869,7 @@
             </p:txBody>
           </p:sp>
         </mc:Choice>
-        <mc:Fallback>
+        <mc:Fallback xmlns="">
           <p:sp>
             <p:nvSpPr>
               <p:cNvPr id="4" name="文本框 3">
@@ -15959,8 +15914,8 @@
           </p:sp>
         </mc:Fallback>
       </mc:AlternateContent>
-      <mc:AlternateContent xmlns:mc="http://schemas.openxmlformats.org/markup-compatibility/2006">
-        <mc:Choice xmlns:a14="http://schemas.microsoft.com/office/drawing/2010/main" Requires="a14">
+      <mc:AlternateContent xmlns:mc="http://schemas.openxmlformats.org/markup-compatibility/2006" xmlns:a14="http://schemas.microsoft.com/office/drawing/2010/main">
+        <mc:Choice Requires="a14">
           <p:sp>
             <p:nvSpPr>
               <p:cNvPr id="10" name="文本框 9">
@@ -16550,7 +16505,7 @@
             </p:txBody>
           </p:sp>
         </mc:Choice>
-        <mc:Fallback>
+        <mc:Fallback xmlns="">
           <p:sp>
             <p:nvSpPr>
               <p:cNvPr id="10" name="文本框 9">
@@ -16667,8 +16622,8 @@
           </a:p>
         </p:txBody>
       </p:sp>
-      <mc:AlternateContent xmlns:mc="http://schemas.openxmlformats.org/markup-compatibility/2006">
-        <mc:Choice xmlns:a14="http://schemas.microsoft.com/office/drawing/2010/main" Requires="a14">
+      <mc:AlternateContent xmlns:mc="http://schemas.openxmlformats.org/markup-compatibility/2006" xmlns:a14="http://schemas.microsoft.com/office/drawing/2010/main">
+        <mc:Choice Requires="a14">
           <p:sp>
             <p:nvSpPr>
               <p:cNvPr id="13" name="文本框 12">
@@ -17044,7 +16999,7 @@
             </p:txBody>
           </p:sp>
         </mc:Choice>
-        <mc:Fallback>
+        <mc:Fallback xmlns="">
           <p:sp>
             <p:nvSpPr>
               <p:cNvPr id="13" name="文本框 12">
@@ -17089,8 +17044,8 @@
           </p:sp>
         </mc:Fallback>
       </mc:AlternateContent>
-      <mc:AlternateContent xmlns:mc="http://schemas.openxmlformats.org/markup-compatibility/2006">
-        <mc:Choice xmlns:a14="http://schemas.microsoft.com/office/drawing/2010/main" Requires="a14">
+      <mc:AlternateContent xmlns:mc="http://schemas.openxmlformats.org/markup-compatibility/2006" xmlns:a14="http://schemas.microsoft.com/office/drawing/2010/main">
+        <mc:Choice Requires="a14">
           <p:sp>
             <p:nvSpPr>
               <p:cNvPr id="14" name="文本框 13">
@@ -17564,7 +17519,7 @@
             </p:txBody>
           </p:sp>
         </mc:Choice>
-        <mc:Fallback>
+        <mc:Fallback xmlns="">
           <p:sp>
             <p:nvSpPr>
               <p:cNvPr id="14" name="文本框 13">
@@ -17699,8 +17654,8 @@
           </a:p>
         </p:txBody>
       </p:sp>
-      <mc:AlternateContent xmlns:mc="http://schemas.openxmlformats.org/markup-compatibility/2006">
-        <mc:Choice xmlns:a14="http://schemas.microsoft.com/office/drawing/2010/main" Requires="a14">
+      <mc:AlternateContent xmlns:mc="http://schemas.openxmlformats.org/markup-compatibility/2006" xmlns:a14="http://schemas.microsoft.com/office/drawing/2010/main">
+        <mc:Choice Requires="a14">
           <p:sp>
             <p:nvSpPr>
               <p:cNvPr id="6" name="文本框 5">
@@ -17835,7 +17790,7 @@
             </p:txBody>
           </p:sp>
         </mc:Choice>
-        <mc:Fallback>
+        <mc:Fallback xmlns="">
           <p:sp>
             <p:nvSpPr>
               <p:cNvPr id="6" name="文本框 5">
